--- a/Disney Challenge Presentation.pptx
+++ b/Disney Challenge Presentation.pptx
@@ -17,8 +17,7 @@
     <p:sldId id="260" r:id="rId11"/>
     <p:sldId id="264" r:id="rId12"/>
     <p:sldId id="262" r:id="rId13"/>
-    <p:sldId id="263" r:id="rId14"/>
-    <p:sldId id="270" r:id="rId15"/>
+    <p:sldId id="270" r:id="rId14"/>
   </p:sldIdLst>
   <p:sldSz cx="12192000" cy="6858000"/>
   <p:notesSz cx="6858000" cy="9144000"/>
@@ -134,7 +133,6 @@
             <p14:sldId id="260"/>
             <p14:sldId id="264"/>
             <p14:sldId id="262"/>
-            <p14:sldId id="263"/>
             <p14:sldId id="270"/>
           </p14:sldIdLst>
         </p14:section>
@@ -286,7 +284,7 @@
           <a:p>
             <a:fld id="{191FDAFF-FE09-4556-9272-78BA9EF7510C}" type="datetimeFigureOut">
               <a:rPr lang="en-US" smtClean="0"/>
-              <a:t>1/20/2022</a:t>
+              <a:t>1/22/2022</a:t>
             </a:fld>
             <a:endParaRPr lang="en-US"/>
           </a:p>
@@ -506,7 +504,7 @@
           <a:p>
             <a:fld id="{191FDAFF-FE09-4556-9272-78BA9EF7510C}" type="datetimeFigureOut">
               <a:rPr lang="en-US" smtClean="0"/>
-              <a:t>1/20/2022</a:t>
+              <a:t>1/22/2022</a:t>
             </a:fld>
             <a:endParaRPr lang="en-US"/>
           </a:p>
@@ -730,7 +728,7 @@
           <a:p>
             <a:fld id="{191FDAFF-FE09-4556-9272-78BA9EF7510C}" type="datetimeFigureOut">
               <a:rPr lang="en-US" smtClean="0"/>
-              <a:t>1/20/2022</a:t>
+              <a:t>1/22/2022</a:t>
             </a:fld>
             <a:endParaRPr lang="en-US"/>
           </a:p>
@@ -944,7 +942,7 @@
           <a:p>
             <a:fld id="{191FDAFF-FE09-4556-9272-78BA9EF7510C}" type="datetimeFigureOut">
               <a:rPr lang="en-US" smtClean="0"/>
-              <a:t>1/20/2022</a:t>
+              <a:t>1/22/2022</a:t>
             </a:fld>
             <a:endParaRPr lang="en-US"/>
           </a:p>
@@ -1236,7 +1234,7 @@
           <a:p>
             <a:fld id="{191FDAFF-FE09-4556-9272-78BA9EF7510C}" type="datetimeFigureOut">
               <a:rPr lang="en-US" smtClean="0"/>
-              <a:t>1/20/2022</a:t>
+              <a:t>1/22/2022</a:t>
             </a:fld>
             <a:endParaRPr lang="en-US"/>
           </a:p>
@@ -1513,7 +1511,7 @@
           <a:p>
             <a:fld id="{191FDAFF-FE09-4556-9272-78BA9EF7510C}" type="datetimeFigureOut">
               <a:rPr lang="en-US" smtClean="0"/>
-              <a:t>1/20/2022</a:t>
+              <a:t>1/22/2022</a:t>
             </a:fld>
             <a:endParaRPr lang="en-US"/>
           </a:p>
@@ -1938,7 +1936,7 @@
           <a:p>
             <a:fld id="{191FDAFF-FE09-4556-9272-78BA9EF7510C}" type="datetimeFigureOut">
               <a:rPr lang="en-US" smtClean="0"/>
-              <a:t>1/20/2022</a:t>
+              <a:t>1/22/2022</a:t>
             </a:fld>
             <a:endParaRPr lang="en-US"/>
           </a:p>
@@ -2096,7 +2094,7 @@
           <a:p>
             <a:fld id="{191FDAFF-FE09-4556-9272-78BA9EF7510C}" type="datetimeFigureOut">
               <a:rPr lang="en-US" smtClean="0"/>
-              <a:t>1/20/2022</a:t>
+              <a:t>1/22/2022</a:t>
             </a:fld>
             <a:endParaRPr lang="en-US"/>
           </a:p>
@@ -2231,7 +2229,7 @@
           <a:p>
             <a:fld id="{191FDAFF-FE09-4556-9272-78BA9EF7510C}" type="datetimeFigureOut">
               <a:rPr lang="en-US" smtClean="0"/>
-              <a:t>1/20/2022</a:t>
+              <a:t>1/22/2022</a:t>
             </a:fld>
             <a:endParaRPr lang="en-US"/>
           </a:p>
@@ -2482,7 +2480,7 @@
           <a:p>
             <a:fld id="{191FDAFF-FE09-4556-9272-78BA9EF7510C}" type="datetimeFigureOut">
               <a:rPr lang="en-US" smtClean="0"/>
-              <a:t>1/20/2022</a:t>
+              <a:t>1/22/2022</a:t>
             </a:fld>
             <a:endParaRPr lang="en-US"/>
           </a:p>
@@ -2942,7 +2940,7 @@
           <a:p>
             <a:fld id="{191FDAFF-FE09-4556-9272-78BA9EF7510C}" type="datetimeFigureOut">
               <a:rPr lang="en-US" smtClean="0"/>
-              <a:t>1/20/2022</a:t>
+              <a:t>1/22/2022</a:t>
             </a:fld>
             <a:endParaRPr lang="en-US"/>
           </a:p>
@@ -3324,7 +3322,7 @@
           <a:p>
             <a:fld id="{191FDAFF-FE09-4556-9272-78BA9EF7510C}" type="datetimeFigureOut">
               <a:rPr lang="en-US" smtClean="0"/>
-              <a:t>1/20/2022</a:t>
+              <a:t>1/22/2022</a:t>
             </a:fld>
             <a:endParaRPr lang="en-US"/>
           </a:p>
@@ -4822,15 +4820,38 @@
             <a:pPr algn="ctr"/>
             <a:r>
               <a:rPr lang="en-US" dirty="0"/>
-              <a:t>Anime Specifics </a:t>
+              <a:t>D3</a:t>
             </a:r>
           </a:p>
           <a:p>
             <a:pPr algn="ctr"/>
             <a:r>
               <a:rPr lang="en-US" dirty="0"/>
-              <a:t>Calendar Details </a:t>
+              <a:t>Popper</a:t>
             </a:r>
+          </a:p>
+          <a:p>
+            <a:pPr algn="ctr"/>
+            <a:r>
+              <a:rPr lang="en-US" dirty="0" err="1"/>
+              <a:t>Evocalendar</a:t>
+            </a:r>
+            <a:r>
+              <a:rPr lang="en-US" dirty="0"/>
+              <a:t> by </a:t>
+            </a:r>
+            <a:r>
+              <a:rPr lang="en-US" dirty="0" err="1"/>
+              <a:t>Edlyn</a:t>
+            </a:r>
+            <a:r>
+              <a:rPr lang="en-US" dirty="0"/>
+              <a:t> Villegas</a:t>
+            </a:r>
+          </a:p>
+          <a:p>
+            <a:pPr algn="ctr"/>
+            <a:endParaRPr lang="en-US" dirty="0"/>
           </a:p>
           <a:p>
             <a:pPr algn="ctr"/>
@@ -6297,129 +6318,6 @@
 <file path=ppt/slides/slide13.xml><?xml version="1.0" encoding="utf-8"?>
 <p:sld xmlns:a="http://schemas.openxmlformats.org/drawingml/2006/main" xmlns:r="http://schemas.openxmlformats.org/officeDocument/2006/relationships" xmlns:p="http://schemas.openxmlformats.org/presentationml/2006/main">
   <p:cSld>
-    <p:bg>
-      <p:bgPr>
-        <a:gradFill rotWithShape="1">
-          <a:gsLst>
-            <a:gs pos="0">
-              <a:schemeClr val="bg1">
-                <a:tint val="94000"/>
-                <a:satMod val="80000"/>
-                <a:lumMod val="106000"/>
-              </a:schemeClr>
-            </a:gs>
-            <a:gs pos="100000">
-              <a:schemeClr val="bg1">
-                <a:shade val="80000"/>
-                <a:lumMod val="108000"/>
-              </a:schemeClr>
-            </a:gs>
-          </a:gsLst>
-          <a:path path="circle">
-            <a:fillToRect l="43000" r="43000" b="100000"/>
-          </a:path>
-        </a:gradFill>
-        <a:effectLst/>
-      </p:bgPr>
-    </p:bg>
-    <p:spTree>
-      <p:nvGrpSpPr>
-        <p:cNvPr id="1" name=""/>
-        <p:cNvGrpSpPr/>
-        <p:nvPr/>
-      </p:nvGrpSpPr>
-      <p:grpSpPr>
-        <a:xfrm>
-          <a:off x="0" y="0"/>
-          <a:ext cx="0" cy="0"/>
-          <a:chOff x="0" y="0"/>
-          <a:chExt cx="0" cy="0"/>
-        </a:xfrm>
-      </p:grpSpPr>
-      <p:sp>
-        <p:nvSpPr>
-          <p:cNvPr id="2" name="Title 1">
-            <a:extLst>
-              <a:ext uri="{FF2B5EF4-FFF2-40B4-BE49-F238E27FC236}">
-                <a16:creationId xmlns:a16="http://schemas.microsoft.com/office/drawing/2014/main" id="{27C097EA-62F5-4A35-AF7A-21A02D030ABA}"/>
-              </a:ext>
-            </a:extLst>
-          </p:cNvPr>
-          <p:cNvSpPr>
-            <a:spLocks noGrp="1"/>
-          </p:cNvSpPr>
-          <p:nvPr>
-            <p:ph type="title"/>
-          </p:nvPr>
-        </p:nvSpPr>
-        <p:spPr>
-          <a:xfrm>
-            <a:off x="1130270" y="887897"/>
-            <a:ext cx="9603275" cy="649356"/>
-          </a:xfrm>
-        </p:spPr>
-        <p:txBody>
-          <a:bodyPr>
-            <a:normAutofit/>
-          </a:bodyPr>
-          <a:lstStyle/>
-          <a:p>
-            <a:pPr algn="ctr"/>
-            <a:r>
-              <a:rPr lang="en-US" dirty="0"/>
-              <a:t>Work Cited </a:t>
-            </a:r>
-          </a:p>
-        </p:txBody>
-      </p:sp>
-      <p:sp>
-        <p:nvSpPr>
-          <p:cNvPr id="3" name="Content Placeholder 2">
-            <a:extLst>
-              <a:ext uri="{FF2B5EF4-FFF2-40B4-BE49-F238E27FC236}">
-                <a16:creationId xmlns:a16="http://schemas.microsoft.com/office/drawing/2014/main" id="{2832A607-350B-41A4-981D-E2847952D767}"/>
-              </a:ext>
-            </a:extLst>
-          </p:cNvPr>
-          <p:cNvSpPr>
-            <a:spLocks noGrp="1"/>
-          </p:cNvSpPr>
-          <p:nvPr>
-            <p:ph idx="1"/>
-          </p:nvPr>
-        </p:nvSpPr>
-        <p:spPr>
-          <a:xfrm>
-            <a:off x="1130270" y="1417983"/>
-            <a:ext cx="9603275" cy="4048362"/>
-          </a:xfrm>
-        </p:spPr>
-        <p:txBody>
-          <a:bodyPr>
-            <a:normAutofit/>
-          </a:bodyPr>
-          <a:lstStyle/>
-          <a:p>
-            <a:endParaRPr lang="en-US" dirty="0"/>
-          </a:p>
-        </p:txBody>
-      </p:sp>
-    </p:spTree>
-    <p:extLst>
-      <p:ext uri="{BB962C8B-B14F-4D97-AF65-F5344CB8AC3E}">
-        <p14:creationId xmlns:p14="http://schemas.microsoft.com/office/powerpoint/2010/main" val="245898227"/>
-      </p:ext>
-    </p:extLst>
-  </p:cSld>
-  <p:clrMapOvr>
-    <a:overrideClrMapping bg1="dk1" tx1="lt1" bg2="dk2" tx2="lt2" accent1="accent1" accent2="accent2" accent3="accent3" accent4="accent4" accent5="accent5" accent6="accent6" hlink="hlink" folHlink="folHlink"/>
-  </p:clrMapOvr>
-</p:sld>
-</file>
-
-<file path=ppt/slides/slide14.xml><?xml version="1.0" encoding="utf-8"?>
-<p:sld xmlns:a="http://schemas.openxmlformats.org/drawingml/2006/main" xmlns:r="http://schemas.openxmlformats.org/officeDocument/2006/relationships" xmlns:p="http://schemas.openxmlformats.org/presentationml/2006/main">
-  <p:cSld>
     <p:spTree>
       <p:nvGrpSpPr>
         <p:cNvPr id="1" name=""/>
@@ -6898,7 +6796,7 @@
         </p:nvSpPr>
         <p:spPr>
           <a:xfrm>
-            <a:off x="652496" y="1566235"/>
+            <a:off x="652496" y="1771999"/>
             <a:ext cx="2840114" cy="3040563"/>
           </a:xfrm>
         </p:spPr>
@@ -6939,6 +6837,16 @@
             <a:r>
               <a:rPr lang="en-US" sz="2400" dirty="0"/>
               <a:t>Earnings  </a:t>
+            </a:r>
+            <a:br>
+              <a:rPr lang="en-US" sz="2400" dirty="0"/>
+            </a:br>
+            <a:br>
+              <a:rPr lang="en-US" sz="2400" dirty="0"/>
+            </a:br>
+            <a:r>
+              <a:rPr lang="en-US" sz="2400" dirty="0"/>
+              <a:t>Movies</a:t>
             </a:r>
             <a:br>
               <a:rPr lang="en-US" sz="2400" dirty="0"/>
@@ -8035,30 +7943,6 @@
                 <a:cs typeface="Times New Roman" panose="02020603050405020304" pitchFamily="18" charset="0"/>
               </a:rPr>
               <a:t>Creating a platform or drop down to see which titles and movie details</a:t>
-            </a:r>
-          </a:p>
-          <a:p>
-            <a:pPr marL="742950" marR="0" lvl="1" indent="-285750">
-              <a:lnSpc>
-                <a:spcPct val="107000"/>
-              </a:lnSpc>
-              <a:spcBef>
-                <a:spcPts val="0"/>
-              </a:spcBef>
-              <a:spcAft>
-                <a:spcPts val="0"/>
-              </a:spcAft>
-              <a:buFont typeface="Courier New" panose="02070309020205020404" pitchFamily="49" charset="0"/>
-              <a:buChar char="o"/>
-            </a:pPr>
-            <a:r>
-              <a:rPr lang="en-US" sz="1600" dirty="0">
-                <a:effectLst/>
-                <a:latin typeface="Calibri" panose="020F0502020204030204" pitchFamily="34" charset="0"/>
-                <a:ea typeface="Calibri" panose="020F0502020204030204" pitchFamily="34" charset="0"/>
-                <a:cs typeface="Times New Roman" panose="02020603050405020304" pitchFamily="18" charset="0"/>
-              </a:rPr>
-              <a:t>Actors and roles played </a:t>
             </a:r>
           </a:p>
           <a:p>
